--- a/NLP/HMM.pptx
+++ b/NLP/HMM.pptx
@@ -110,6 +110,11 @@
       </a:defRPr>
     </a:lvl9pPr>
   </p:defaultTextStyle>
+  <p:extLst>
+    <p:ext uri="{EFAFB233-063F-42B5-8137-9DF3F51BA10A}">
+      <p15:sldGuideLst xmlns:p15="http://schemas.microsoft.com/office/powerpoint/2012/main"/>
+    </p:ext>
+  </p:extLst>
 </p:presentation>
 </file>
 
@@ -195,7 +200,7 @@
           <a:p>
             <a:fld id="{278ABF20-40C2-4A70-B1A6-6A66D4F7BD88}" type="datetimeFigureOut">
               <a:rPr lang="zh-CN" altLang="en-US" smtClean="0"/>
-              <a:t>2021/7/12</a:t>
+              <a:t>2021/7/19</a:t>
             </a:fld>
             <a:endParaRPr lang="zh-CN" altLang="en-US"/>
           </a:p>
@@ -693,7 +698,7 @@
           <a:p>
             <a:fld id="{086F985A-F704-4FA5-BB1A-9F13AF5C4179}" type="datetimeFigureOut">
               <a:rPr lang="zh-CN" altLang="en-US" smtClean="0"/>
-              <a:t>2021/7/12</a:t>
+              <a:t>2021/7/19</a:t>
             </a:fld>
             <a:endParaRPr lang="zh-CN" altLang="en-US"/>
           </a:p>
@@ -891,7 +896,7 @@
           <a:p>
             <a:fld id="{086F985A-F704-4FA5-BB1A-9F13AF5C4179}" type="datetimeFigureOut">
               <a:rPr lang="zh-CN" altLang="en-US" smtClean="0"/>
-              <a:t>2021/7/12</a:t>
+              <a:t>2021/7/19</a:t>
             </a:fld>
             <a:endParaRPr lang="zh-CN" altLang="en-US"/>
           </a:p>
@@ -1099,7 +1104,7 @@
           <a:p>
             <a:fld id="{086F985A-F704-4FA5-BB1A-9F13AF5C4179}" type="datetimeFigureOut">
               <a:rPr lang="zh-CN" altLang="en-US" smtClean="0"/>
-              <a:t>2021/7/12</a:t>
+              <a:t>2021/7/19</a:t>
             </a:fld>
             <a:endParaRPr lang="zh-CN" altLang="en-US"/>
           </a:p>
@@ -1297,7 +1302,7 @@
           <a:p>
             <a:fld id="{086F985A-F704-4FA5-BB1A-9F13AF5C4179}" type="datetimeFigureOut">
               <a:rPr lang="zh-CN" altLang="en-US" smtClean="0"/>
-              <a:t>2021/7/12</a:t>
+              <a:t>2021/7/19</a:t>
             </a:fld>
             <a:endParaRPr lang="zh-CN" altLang="en-US"/>
           </a:p>
@@ -1572,7 +1577,7 @@
           <a:p>
             <a:fld id="{086F985A-F704-4FA5-BB1A-9F13AF5C4179}" type="datetimeFigureOut">
               <a:rPr lang="zh-CN" altLang="en-US" smtClean="0"/>
-              <a:t>2021/7/12</a:t>
+              <a:t>2021/7/19</a:t>
             </a:fld>
             <a:endParaRPr lang="zh-CN" altLang="en-US"/>
           </a:p>
@@ -1837,7 +1842,7 @@
           <a:p>
             <a:fld id="{086F985A-F704-4FA5-BB1A-9F13AF5C4179}" type="datetimeFigureOut">
               <a:rPr lang="zh-CN" altLang="en-US" smtClean="0"/>
-              <a:t>2021/7/12</a:t>
+              <a:t>2021/7/19</a:t>
             </a:fld>
             <a:endParaRPr lang="zh-CN" altLang="en-US"/>
           </a:p>
@@ -2249,7 +2254,7 @@
           <a:p>
             <a:fld id="{086F985A-F704-4FA5-BB1A-9F13AF5C4179}" type="datetimeFigureOut">
               <a:rPr lang="zh-CN" altLang="en-US" smtClean="0"/>
-              <a:t>2021/7/12</a:t>
+              <a:t>2021/7/19</a:t>
             </a:fld>
             <a:endParaRPr lang="zh-CN" altLang="en-US"/>
           </a:p>
@@ -2390,7 +2395,7 @@
           <a:p>
             <a:fld id="{086F985A-F704-4FA5-BB1A-9F13AF5C4179}" type="datetimeFigureOut">
               <a:rPr lang="zh-CN" altLang="en-US" smtClean="0"/>
-              <a:t>2021/7/12</a:t>
+              <a:t>2021/7/19</a:t>
             </a:fld>
             <a:endParaRPr lang="zh-CN" altLang="en-US"/>
           </a:p>
@@ -2503,7 +2508,7 @@
           <a:p>
             <a:fld id="{086F985A-F704-4FA5-BB1A-9F13AF5C4179}" type="datetimeFigureOut">
               <a:rPr lang="zh-CN" altLang="en-US" smtClean="0"/>
-              <a:t>2021/7/12</a:t>
+              <a:t>2021/7/19</a:t>
             </a:fld>
             <a:endParaRPr lang="zh-CN" altLang="en-US"/>
           </a:p>
@@ -2814,7 +2819,7 @@
           <a:p>
             <a:fld id="{086F985A-F704-4FA5-BB1A-9F13AF5C4179}" type="datetimeFigureOut">
               <a:rPr lang="zh-CN" altLang="en-US" smtClean="0"/>
-              <a:t>2021/7/12</a:t>
+              <a:t>2021/7/19</a:t>
             </a:fld>
             <a:endParaRPr lang="zh-CN" altLang="en-US"/>
           </a:p>
@@ -3102,7 +3107,7 @@
           <a:p>
             <a:fld id="{086F985A-F704-4FA5-BB1A-9F13AF5C4179}" type="datetimeFigureOut">
               <a:rPr lang="zh-CN" altLang="en-US" smtClean="0"/>
-              <a:t>2021/7/12</a:t>
+              <a:t>2021/7/19</a:t>
             </a:fld>
             <a:endParaRPr lang="zh-CN" altLang="en-US"/>
           </a:p>
@@ -3343,7 +3348,7 @@
           <a:p>
             <a:fld id="{086F985A-F704-4FA5-BB1A-9F13AF5C4179}" type="datetimeFigureOut">
               <a:rPr lang="zh-CN" altLang="en-US" smtClean="0"/>
-              <a:t>2021/7/12</a:t>
+              <a:t>2021/7/19</a:t>
             </a:fld>
             <a:endParaRPr lang="zh-CN" altLang="en-US"/>
           </a:p>
